--- a/Week10/Progress_Report/指定題進度報告_Week10.pptx
+++ b/Week10/Progress_Report/指定題進度報告_Week10.pptx
@@ -5,17 +5,16 @@
     <p:sldMasterId id="2147483668" r:id="rId1"/>
   </p:sldMasterIdLst>
   <p:notesMasterIdLst>
-    <p:notesMasterId r:id="rId10"/>
+    <p:notesMasterId r:id="rId9"/>
   </p:notesMasterIdLst>
   <p:sldIdLst>
     <p:sldId id="261" r:id="rId2"/>
     <p:sldId id="257" r:id="rId3"/>
     <p:sldId id="262" r:id="rId4"/>
     <p:sldId id="263" r:id="rId5"/>
-    <p:sldId id="264" r:id="rId6"/>
-    <p:sldId id="265" r:id="rId7"/>
-    <p:sldId id="267" r:id="rId8"/>
-    <p:sldId id="266" r:id="rId9"/>
+    <p:sldId id="265" r:id="rId6"/>
+    <p:sldId id="267" r:id="rId7"/>
+    <p:sldId id="266" r:id="rId8"/>
   </p:sldIdLst>
   <p:sldSz cx="12192000" cy="6858000"/>
   <p:notesSz cx="6858000" cy="9144000"/>
@@ -6426,7 +6425,7 @@
     </p:spTree>
     <p:extLst>
       <p:ext uri="{BB962C8B-B14F-4D97-AF65-F5344CB8AC3E}">
-        <p14:creationId xmlns:p14="http://schemas.microsoft.com/office/powerpoint/2010/main" val="2343727219"/>
+        <p14:creationId xmlns:p14="http://schemas.microsoft.com/office/powerpoint/2010/main" val="2142002189"/>
       </p:ext>
     </p:extLst>
   </p:cSld>
@@ -6510,7 +6509,7 @@
     </p:spTree>
     <p:extLst>
       <p:ext uri="{BB962C8B-B14F-4D97-AF65-F5344CB8AC3E}">
-        <p14:creationId xmlns:p14="http://schemas.microsoft.com/office/powerpoint/2010/main" val="2142002189"/>
+        <p14:creationId xmlns:p14="http://schemas.microsoft.com/office/powerpoint/2010/main" val="606259639"/>
       </p:ext>
     </p:extLst>
   </p:cSld>
@@ -6586,90 +6585,6 @@
             <a:fld id="{9F0AA4A2-8111-3846-A01F-681BC8DDB5B9}" type="slidenum">
               <a:rPr kumimoji="1" lang="zh-TW" altLang="en-US" smtClean="0"/>
               <a:t>7</a:t>
-            </a:fld>
-            <a:endParaRPr kumimoji="1" lang="zh-TW" altLang="en-US"/>
-          </a:p>
-        </p:txBody>
-      </p:sp>
-    </p:spTree>
-    <p:extLst>
-      <p:ext uri="{BB962C8B-B14F-4D97-AF65-F5344CB8AC3E}">
-        <p14:creationId xmlns:p14="http://schemas.microsoft.com/office/powerpoint/2010/main" val="606259639"/>
-      </p:ext>
-    </p:extLst>
-  </p:cSld>
-  <p:clrMapOvr>
-    <a:masterClrMapping/>
-  </p:clrMapOvr>
-</p:notes>
-</file>
-
-<file path=ppt/notesSlides/notesSlide8.xml><?xml version="1.0" encoding="utf-8"?>
-<p:notes xmlns:a="http://schemas.openxmlformats.org/drawingml/2006/main" xmlns:r="http://schemas.openxmlformats.org/officeDocument/2006/relationships" xmlns:p="http://schemas.openxmlformats.org/presentationml/2006/main">
-  <p:cSld>
-    <p:spTree>
-      <p:nvGrpSpPr>
-        <p:cNvPr id="1" name=""/>
-        <p:cNvGrpSpPr/>
-        <p:nvPr/>
-      </p:nvGrpSpPr>
-      <p:grpSpPr>
-        <a:xfrm>
-          <a:off x="0" y="0"/>
-          <a:ext cx="0" cy="0"/>
-          <a:chOff x="0" y="0"/>
-          <a:chExt cx="0" cy="0"/>
-        </a:xfrm>
-      </p:grpSpPr>
-      <p:sp>
-        <p:nvSpPr>
-          <p:cNvPr id="2" name="投影片影像版面配置區 1"/>
-          <p:cNvSpPr>
-            <a:spLocks noGrp="1" noRot="1" noChangeAspect="1"/>
-          </p:cNvSpPr>
-          <p:nvPr>
-            <p:ph type="sldImg"/>
-          </p:nvPr>
-        </p:nvSpPr>
-        <p:spPr/>
-      </p:sp>
-      <p:sp>
-        <p:nvSpPr>
-          <p:cNvPr id="3" name="備忘稿版面配置區 2"/>
-          <p:cNvSpPr>
-            <a:spLocks noGrp="1"/>
-          </p:cNvSpPr>
-          <p:nvPr>
-            <p:ph type="body" idx="1"/>
-          </p:nvPr>
-        </p:nvSpPr>
-        <p:spPr/>
-        <p:txBody>
-          <a:bodyPr/>
-          <a:lstStyle/>
-          <a:p>
-            <a:endParaRPr kumimoji="1" lang="zh-TW" altLang="en-US" dirty="0"/>
-          </a:p>
-        </p:txBody>
-      </p:sp>
-      <p:sp>
-        <p:nvSpPr>
-          <p:cNvPr id="4" name="投影片編號版面配置區 3"/>
-          <p:cNvSpPr>
-            <a:spLocks noGrp="1"/>
-          </p:cNvSpPr>
-          <p:nvPr>
-            <p:ph type="sldNum" sz="quarter" idx="5"/>
-          </p:nvPr>
-        </p:nvSpPr>
-        <p:spPr/>
-        <p:txBody>
-          <a:bodyPr/>
-          <a:lstStyle/>
-          <a:p>
-            <a:fld id="{9F0AA4A2-8111-3846-A01F-681BC8DDB5B9}" type="slidenum">
-              <a:rPr kumimoji="1" lang="zh-TW" altLang="en-US" smtClean="0"/>
-              <a:t>8</a:t>
             </a:fld>
             <a:endParaRPr kumimoji="1" lang="zh-TW" altLang="en-US"/>
           </a:p>
@@ -11155,236 +11070,6 @@
 </file>
 
 <file path=ppt/slides/slide5.xml><?xml version="1.0" encoding="utf-8"?>
-<p:sld xmlns:a="http://schemas.openxmlformats.org/drawingml/2006/main" xmlns:r="http://schemas.openxmlformats.org/officeDocument/2006/relationships" xmlns:p="http://schemas.openxmlformats.org/presentationml/2006/main">
-  <p:cSld>
-    <p:spTree>
-      <p:nvGrpSpPr>
-        <p:cNvPr id="1" name=""/>
-        <p:cNvGrpSpPr/>
-        <p:nvPr/>
-      </p:nvGrpSpPr>
-      <p:grpSpPr>
-        <a:xfrm>
-          <a:off x="0" y="0"/>
-          <a:ext cx="0" cy="0"/>
-          <a:chOff x="0" y="0"/>
-          <a:chExt cx="0" cy="0"/>
-        </a:xfrm>
-      </p:grpSpPr>
-      <p:grpSp>
-        <p:nvGrpSpPr>
-          <p:cNvPr id="3" name="群組 2">
-            <a:extLst>
-              <a:ext uri="{FF2B5EF4-FFF2-40B4-BE49-F238E27FC236}">
-                <a16:creationId xmlns:a16="http://schemas.microsoft.com/office/drawing/2014/main" id="{F4D644C6-A8CD-D5E0-C77D-175CC7384548}"/>
-              </a:ext>
-            </a:extLst>
-          </p:cNvPr>
-          <p:cNvGrpSpPr/>
-          <p:nvPr/>
-        </p:nvGrpSpPr>
-        <p:grpSpPr>
-          <a:xfrm>
-            <a:off x="0" y="0"/>
-            <a:ext cx="12192000" cy="6858000"/>
-            <a:chOff x="0" y="0"/>
-            <a:chExt cx="12192000" cy="6858000"/>
-          </a:xfrm>
-        </p:grpSpPr>
-        <p:pic>
-          <p:nvPicPr>
-            <p:cNvPr id="4" name="圖片 3">
-              <a:extLst>
-                <a:ext uri="{FF2B5EF4-FFF2-40B4-BE49-F238E27FC236}">
-                  <a16:creationId xmlns:a16="http://schemas.microsoft.com/office/drawing/2014/main" id="{6BB2C9B1-6D87-A7F2-505F-45CE2D4E2C94}"/>
-                </a:ext>
-              </a:extLst>
-            </p:cNvPr>
-            <p:cNvPicPr>
-              <a:picLocks noChangeAspect="1"/>
-            </p:cNvPicPr>
-            <p:nvPr/>
-          </p:nvPicPr>
-          <p:blipFill rotWithShape="1">
-            <a:blip r:embed="rId3"/>
-            <a:srcRect t="11191" b="32432"/>
-            <a:stretch/>
-          </p:blipFill>
-          <p:spPr>
-            <a:xfrm>
-              <a:off x="0" y="0"/>
-              <a:ext cx="12192000" cy="6858000"/>
-            </a:xfrm>
-            <a:prstGeom prst="rect">
-              <a:avLst/>
-            </a:prstGeom>
-          </p:spPr>
-        </p:pic>
-        <p:sp>
-          <p:nvSpPr>
-            <p:cNvPr id="6" name="矩形 5">
-              <a:extLst>
-                <a:ext uri="{FF2B5EF4-FFF2-40B4-BE49-F238E27FC236}">
-                  <a16:creationId xmlns:a16="http://schemas.microsoft.com/office/drawing/2014/main" id="{75554BAA-00CD-09FA-6A04-7243340F91C9}"/>
-                </a:ext>
-              </a:extLst>
-            </p:cNvPr>
-            <p:cNvSpPr>
-              <a:spLocks/>
-            </p:cNvSpPr>
-            <p:nvPr/>
-          </p:nvSpPr>
-          <p:spPr>
-            <a:xfrm>
-              <a:off x="359400" y="1443642"/>
-              <a:ext cx="11473200" cy="5045355"/>
-            </a:xfrm>
-            <a:prstGeom prst="rect">
-              <a:avLst/>
-            </a:prstGeom>
-            <a:solidFill>
-              <a:srgbClr val="FFFFFF">
-                <a:alpha val="89804"/>
-              </a:srgbClr>
-            </a:solidFill>
-            <a:ln>
-              <a:noFill/>
-            </a:ln>
-          </p:spPr>
-          <p:style>
-            <a:lnRef idx="2">
-              <a:schemeClr val="accent1">
-                <a:shade val="15000"/>
-              </a:schemeClr>
-            </a:lnRef>
-            <a:fillRef idx="1">
-              <a:schemeClr val="accent1"/>
-            </a:fillRef>
-            <a:effectRef idx="0">
-              <a:schemeClr val="accent1"/>
-            </a:effectRef>
-            <a:fontRef idx="minor">
-              <a:schemeClr val="lt1"/>
-            </a:fontRef>
-          </p:style>
-          <p:txBody>
-            <a:bodyPr rtlCol="0" anchor="ctr"/>
-            <a:lstStyle/>
-            <a:p>
-              <a:pPr algn="ctr"/>
-              <a:endParaRPr kumimoji="1" lang="zh-TW" altLang="en-US" dirty="0"/>
-            </a:p>
-          </p:txBody>
-        </p:sp>
-      </p:grpSp>
-      <p:sp>
-        <p:nvSpPr>
-          <p:cNvPr id="7" name="矩形 6">
-            <a:extLst>
-              <a:ext uri="{FF2B5EF4-FFF2-40B4-BE49-F238E27FC236}">
-                <a16:creationId xmlns:a16="http://schemas.microsoft.com/office/drawing/2014/main" id="{B2129286-E804-CA8B-CF30-77C60054851D}"/>
-              </a:ext>
-            </a:extLst>
-          </p:cNvPr>
-          <p:cNvSpPr>
-            <a:spLocks/>
-          </p:cNvSpPr>
-          <p:nvPr/>
-        </p:nvSpPr>
-        <p:spPr>
-          <a:xfrm>
-            <a:off x="359398" y="369003"/>
-            <a:ext cx="11473200" cy="827729"/>
-          </a:xfrm>
-          <a:prstGeom prst="rect">
-            <a:avLst/>
-          </a:prstGeom>
-          <a:solidFill>
-            <a:srgbClr val="FFFFFF">
-              <a:alpha val="89804"/>
-            </a:srgbClr>
-          </a:solidFill>
-          <a:ln>
-            <a:noFill/>
-          </a:ln>
-        </p:spPr>
-        <p:style>
-          <a:lnRef idx="2">
-            <a:schemeClr val="accent1">
-              <a:shade val="15000"/>
-            </a:schemeClr>
-          </a:lnRef>
-          <a:fillRef idx="1">
-            <a:schemeClr val="accent1"/>
-          </a:fillRef>
-          <a:effectRef idx="0">
-            <a:schemeClr val="accent1"/>
-          </a:effectRef>
-          <a:fontRef idx="minor">
-            <a:schemeClr val="lt1"/>
-          </a:fontRef>
-        </p:style>
-        <p:txBody>
-          <a:bodyPr rtlCol="0" anchor="ctr"/>
-          <a:lstStyle/>
-          <a:p>
-            <a:pPr algn="ctr"/>
-            <a:endParaRPr kumimoji="1" lang="zh-TW" altLang="en-US" dirty="0"/>
-          </a:p>
-        </p:txBody>
-      </p:sp>
-      <p:sp>
-        <p:nvSpPr>
-          <p:cNvPr id="2" name="標題 1">
-            <a:extLst>
-              <a:ext uri="{FF2B5EF4-FFF2-40B4-BE49-F238E27FC236}">
-                <a16:creationId xmlns:a16="http://schemas.microsoft.com/office/drawing/2014/main" id="{F0D5E0FB-98B8-BB6E-9413-653215581843}"/>
-              </a:ext>
-            </a:extLst>
-          </p:cNvPr>
-          <p:cNvSpPr>
-            <a:spLocks noGrp="1"/>
-          </p:cNvSpPr>
-          <p:nvPr>
-            <p:ph type="title"/>
-          </p:nvPr>
-        </p:nvSpPr>
-        <p:spPr>
-          <a:xfrm>
-            <a:off x="4712171" y="420019"/>
-            <a:ext cx="2767653" cy="827728"/>
-          </a:xfrm>
-        </p:spPr>
-        <p:txBody>
-          <a:bodyPr>
-            <a:normAutofit/>
-          </a:bodyPr>
-          <a:lstStyle/>
-          <a:p>
-            <a:r>
-              <a:rPr lang="zh-TW" altLang="en-US" sz="5000" b="1" dirty="0">
-                <a:latin typeface="Microsoft JhengHei" panose="020B0604030504040204" pitchFamily="34" charset="-120"/>
-                <a:ea typeface="Microsoft JhengHei" panose="020B0604030504040204" pitchFamily="34" charset="-120"/>
-              </a:rPr>
-              <a:t>進度安排</a:t>
-            </a:r>
-          </a:p>
-        </p:txBody>
-      </p:sp>
-    </p:spTree>
-    <p:extLst>
-      <p:ext uri="{BB962C8B-B14F-4D97-AF65-F5344CB8AC3E}">
-        <p14:creationId xmlns:p14="http://schemas.microsoft.com/office/powerpoint/2010/main" val="2357631047"/>
-      </p:ext>
-    </p:extLst>
-  </p:cSld>
-  <p:clrMapOvr>
-    <a:masterClrMapping/>
-  </p:clrMapOvr>
-</p:sld>
-</file>
-
-<file path=ppt/slides/slide6.xml><?xml version="1.0" encoding="utf-8"?>
 <p:sld xmlns:a="http://schemas.openxmlformats.org/drawingml/2006/main" xmlns:r="http://schemas.openxmlformats.org/officeDocument/2006/relationships" xmlns:p="http://schemas.openxmlformats.org/presentationml/2006/main">
   <p:cSld>
     <p:spTree>
@@ -12306,7 +11991,7 @@
 </p:sld>
 </file>
 
-<file path=ppt/slides/slide7.xml><?xml version="1.0" encoding="utf-8"?>
+<file path=ppt/slides/slide6.xml><?xml version="1.0" encoding="utf-8"?>
 <p:sld xmlns:a="http://schemas.openxmlformats.org/drawingml/2006/main" xmlns:r="http://schemas.openxmlformats.org/officeDocument/2006/relationships" xmlns:p="http://schemas.openxmlformats.org/presentationml/2006/main">
   <p:cSld>
     <p:spTree>
@@ -12678,7 +12363,7 @@
 </p:sld>
 </file>
 
-<file path=ppt/slides/slide8.xml><?xml version="1.0" encoding="utf-8"?>
+<file path=ppt/slides/slide7.xml><?xml version="1.0" encoding="utf-8"?>
 <p:sld xmlns:a="http://schemas.openxmlformats.org/drawingml/2006/main" xmlns:r="http://schemas.openxmlformats.org/officeDocument/2006/relationships" xmlns:p="http://schemas.openxmlformats.org/presentationml/2006/main">
   <p:cSld>
     <p:spTree>
